--- a/UI프로토타입.pptx
+++ b/UI프로토타입.pptx
@@ -17103,7 +17103,7 @@
         </p:blipFill>
         <p:spPr>
           <a:xfrm>
-            <a:off x="8334259" y="-22631"/>
+            <a:off x="8224109" y="52449"/>
             <a:ext cx="3857742" cy="2227150"/>
           </a:xfrm>
           <a:prstGeom prst="rect">
@@ -17190,8 +17190,8 @@
         </p:nvCxnSpPr>
         <p:spPr>
           <a:xfrm rot="10800000">
-            <a:off x="10263130" y="2204520"/>
-            <a:ext cx="252470" cy="493405"/>
+            <a:off x="10152980" y="2279600"/>
+            <a:ext cx="362620" cy="418325"/>
           </a:xfrm>
           <a:prstGeom prst="bentConnector2">
             <a:avLst/>
@@ -18139,7 +18139,11 @@
           <a:lstStyle/>
           <a:p>
             <a:pPr algn="ctr"/>
-            <a:endParaRPr lang="ko-KR" altLang="en-US"/>
+            <a:r>
+              <a:rPr lang="en-US" altLang="ko-KR" dirty="0"/>
+              <a:t>5</a:t>
+            </a:r>
+            <a:endParaRPr lang="ko-KR" altLang="en-US" dirty="0"/>
           </a:p>
         </p:txBody>
       </p:sp>
@@ -18183,7 +18187,11 @@
           <a:lstStyle/>
           <a:p>
             <a:pPr algn="ctr"/>
-            <a:endParaRPr lang="ko-KR" altLang="en-US"/>
+            <a:r>
+              <a:rPr lang="en-US" altLang="ko-KR" dirty="0"/>
+              <a:t>4</a:t>
+            </a:r>
+            <a:endParaRPr lang="ko-KR" altLang="en-US" dirty="0"/>
           </a:p>
         </p:txBody>
       </p:sp>
@@ -18227,7 +18235,11 @@
           <a:lstStyle/>
           <a:p>
             <a:pPr algn="ctr"/>
-            <a:endParaRPr lang="ko-KR" altLang="en-US"/>
+            <a:r>
+              <a:rPr lang="en-US" altLang="ko-KR" dirty="0"/>
+              <a:t>3</a:t>
+            </a:r>
+            <a:endParaRPr lang="ko-KR" altLang="en-US" dirty="0"/>
           </a:p>
         </p:txBody>
       </p:sp>
@@ -18271,7 +18283,11 @@
           <a:lstStyle/>
           <a:p>
             <a:pPr algn="ctr"/>
-            <a:endParaRPr lang="ko-KR" altLang="en-US"/>
+            <a:r>
+              <a:rPr lang="en-US" altLang="ko-KR" dirty="0"/>
+              <a:t>2</a:t>
+            </a:r>
+            <a:endParaRPr lang="ko-KR" altLang="en-US" dirty="0"/>
           </a:p>
         </p:txBody>
       </p:sp>
@@ -18315,7 +18331,11 @@
           <a:lstStyle/>
           <a:p>
             <a:pPr algn="ctr"/>
-            <a:endParaRPr lang="ko-KR" altLang="en-US"/>
+            <a:r>
+              <a:rPr lang="en-US" altLang="ko-KR" dirty="0"/>
+              <a:t>1</a:t>
+            </a:r>
+            <a:endParaRPr lang="ko-KR" altLang="en-US" dirty="0"/>
           </a:p>
         </p:txBody>
       </p:sp>
@@ -18458,36 +18478,6 @@
           </a:p>
         </p:txBody>
       </p:sp>
-      <p:pic>
-        <p:nvPicPr>
-          <p:cNvPr id="45" name="그림 44">
-            <a:extLst>
-              <a:ext uri="{FF2B5EF4-FFF2-40B4-BE49-F238E27FC236}">
-                <a16:creationId xmlns:a16="http://schemas.microsoft.com/office/drawing/2014/main" id="{B567E639-FFF4-C89F-5F1A-51509A6D8735}"/>
-              </a:ext>
-            </a:extLst>
-          </p:cNvPr>
-          <p:cNvPicPr>
-            <a:picLocks noChangeAspect="1"/>
-          </p:cNvPicPr>
-          <p:nvPr/>
-        </p:nvPicPr>
-        <p:blipFill>
-          <a:blip r:embed="rId2"/>
-          <a:stretch>
-            <a:fillRect/>
-          </a:stretch>
-        </p:blipFill>
-        <p:spPr>
-          <a:xfrm>
-            <a:off x="8211678" y="2902"/>
-            <a:ext cx="2628152" cy="1784398"/>
-          </a:xfrm>
-          <a:prstGeom prst="rect">
-            <a:avLst/>
-          </a:prstGeom>
-        </p:spPr>
-      </p:pic>
       <p:sp>
         <p:nvSpPr>
           <p:cNvPr id="14" name="직사각형 13">
@@ -18853,6 +18843,475 @@
           </a:p>
         </p:txBody>
       </p:sp>
+      <p:sp>
+        <p:nvSpPr>
+          <p:cNvPr id="3" name="직사각형 2">
+            <a:extLst>
+              <a:ext uri="{FF2B5EF4-FFF2-40B4-BE49-F238E27FC236}">
+                <a16:creationId xmlns:a16="http://schemas.microsoft.com/office/drawing/2014/main" id="{7ED645D1-C408-E855-67C3-DF8FCF0BCEF8}"/>
+              </a:ext>
+            </a:extLst>
+          </p:cNvPr>
+          <p:cNvSpPr/>
+          <p:nvPr/>
+        </p:nvSpPr>
+        <p:spPr>
+          <a:xfrm>
+            <a:off x="3568574" y="5085758"/>
+            <a:ext cx="473041" cy="932508"/>
+          </a:xfrm>
+          <a:prstGeom prst="rect">
+            <a:avLst/>
+          </a:prstGeom>
+        </p:spPr>
+        <p:style>
+          <a:lnRef idx="1">
+            <a:schemeClr val="dk1"/>
+          </a:lnRef>
+          <a:fillRef idx="2">
+            <a:schemeClr val="dk1"/>
+          </a:fillRef>
+          <a:effectRef idx="1">
+            <a:schemeClr val="dk1"/>
+          </a:effectRef>
+          <a:fontRef idx="minor">
+            <a:schemeClr val="dk1"/>
+          </a:fontRef>
+        </p:style>
+        <p:txBody>
+          <a:bodyPr rtlCol="0" anchor="ctr"/>
+          <a:lstStyle/>
+          <a:p>
+            <a:pPr algn="ctr"/>
+            <a:r>
+              <a:rPr lang="en-US" altLang="ko-KR" dirty="0"/>
+              <a:t>1</a:t>
+            </a:r>
+            <a:endParaRPr lang="ko-KR" altLang="en-US" dirty="0"/>
+          </a:p>
+        </p:txBody>
+      </p:sp>
+      <p:sp>
+        <p:nvSpPr>
+          <p:cNvPr id="15" name="직사각형 14">
+            <a:extLst>
+              <a:ext uri="{FF2B5EF4-FFF2-40B4-BE49-F238E27FC236}">
+                <a16:creationId xmlns:a16="http://schemas.microsoft.com/office/drawing/2014/main" id="{1265BE3B-DD16-1D53-7D6F-7E45FEEC8273}"/>
+              </a:ext>
+            </a:extLst>
+          </p:cNvPr>
+          <p:cNvSpPr/>
+          <p:nvPr/>
+        </p:nvSpPr>
+        <p:spPr>
+          <a:xfrm>
+            <a:off x="2928419" y="5085758"/>
+            <a:ext cx="473041" cy="932508"/>
+          </a:xfrm>
+          <a:prstGeom prst="rect">
+            <a:avLst/>
+          </a:prstGeom>
+        </p:spPr>
+        <p:style>
+          <a:lnRef idx="1">
+            <a:schemeClr val="dk1"/>
+          </a:lnRef>
+          <a:fillRef idx="2">
+            <a:schemeClr val="dk1"/>
+          </a:fillRef>
+          <a:effectRef idx="1">
+            <a:schemeClr val="dk1"/>
+          </a:effectRef>
+          <a:fontRef idx="minor">
+            <a:schemeClr val="dk1"/>
+          </a:fontRef>
+        </p:style>
+        <p:txBody>
+          <a:bodyPr rtlCol="0" anchor="ctr"/>
+          <a:lstStyle/>
+          <a:p>
+            <a:pPr algn="ctr"/>
+            <a:r>
+              <a:rPr lang="en-US" altLang="ko-KR" dirty="0"/>
+              <a:t>5</a:t>
+            </a:r>
+            <a:endParaRPr lang="ko-KR" altLang="en-US" dirty="0"/>
+          </a:p>
+        </p:txBody>
+      </p:sp>
+      <p:sp>
+        <p:nvSpPr>
+          <p:cNvPr id="17" name="직사각형 16">
+            <a:extLst>
+              <a:ext uri="{FF2B5EF4-FFF2-40B4-BE49-F238E27FC236}">
+                <a16:creationId xmlns:a16="http://schemas.microsoft.com/office/drawing/2014/main" id="{FEE4BB0B-BD5C-64C2-ECBD-BD07D5BF191A}"/>
+              </a:ext>
+            </a:extLst>
+          </p:cNvPr>
+          <p:cNvSpPr/>
+          <p:nvPr/>
+        </p:nvSpPr>
+        <p:spPr>
+          <a:xfrm>
+            <a:off x="1733742" y="4917512"/>
+            <a:ext cx="939299" cy="1149789"/>
+          </a:xfrm>
+          <a:prstGeom prst="rect">
+            <a:avLst/>
+          </a:prstGeom>
+        </p:spPr>
+        <p:style>
+          <a:lnRef idx="1">
+            <a:schemeClr val="dk1"/>
+          </a:lnRef>
+          <a:fillRef idx="2">
+            <a:schemeClr val="dk1"/>
+          </a:fillRef>
+          <a:effectRef idx="1">
+            <a:schemeClr val="dk1"/>
+          </a:effectRef>
+          <a:fontRef idx="minor">
+            <a:schemeClr val="dk1"/>
+          </a:fontRef>
+        </p:style>
+        <p:txBody>
+          <a:bodyPr rtlCol="0" anchor="ctr"/>
+          <a:lstStyle/>
+          <a:p>
+            <a:pPr algn="ctr"/>
+            <a:r>
+              <a:rPr lang="en-US" altLang="ko-KR" dirty="0"/>
+              <a:t>4</a:t>
+            </a:r>
+            <a:endParaRPr lang="ko-KR" altLang="en-US" dirty="0"/>
+          </a:p>
+        </p:txBody>
+      </p:sp>
+      <p:sp>
+        <p:nvSpPr>
+          <p:cNvPr id="19" name="직사각형 18">
+            <a:extLst>
+              <a:ext uri="{FF2B5EF4-FFF2-40B4-BE49-F238E27FC236}">
+                <a16:creationId xmlns:a16="http://schemas.microsoft.com/office/drawing/2014/main" id="{4B37AE86-B7E4-125D-3509-3DDBC2E9BB66}"/>
+              </a:ext>
+            </a:extLst>
+          </p:cNvPr>
+          <p:cNvSpPr/>
+          <p:nvPr/>
+        </p:nvSpPr>
+        <p:spPr>
+          <a:xfrm>
+            <a:off x="1069818" y="5085758"/>
+            <a:ext cx="473041" cy="932508"/>
+          </a:xfrm>
+          <a:prstGeom prst="rect">
+            <a:avLst/>
+          </a:prstGeom>
+        </p:spPr>
+        <p:style>
+          <a:lnRef idx="1">
+            <a:schemeClr val="dk1"/>
+          </a:lnRef>
+          <a:fillRef idx="2">
+            <a:schemeClr val="dk1"/>
+          </a:fillRef>
+          <a:effectRef idx="1">
+            <a:schemeClr val="dk1"/>
+          </a:effectRef>
+          <a:fontRef idx="minor">
+            <a:schemeClr val="dk1"/>
+          </a:fontRef>
+        </p:style>
+        <p:txBody>
+          <a:bodyPr rtlCol="0" anchor="ctr"/>
+          <a:lstStyle/>
+          <a:p>
+            <a:pPr algn="ctr"/>
+            <a:r>
+              <a:rPr lang="en-US" altLang="ko-KR" dirty="0"/>
+              <a:t>3</a:t>
+            </a:r>
+            <a:endParaRPr lang="ko-KR" altLang="en-US" dirty="0"/>
+          </a:p>
+        </p:txBody>
+      </p:sp>
+      <p:sp>
+        <p:nvSpPr>
+          <p:cNvPr id="20" name="직사각형 19">
+            <a:extLst>
+              <a:ext uri="{FF2B5EF4-FFF2-40B4-BE49-F238E27FC236}">
+                <a16:creationId xmlns:a16="http://schemas.microsoft.com/office/drawing/2014/main" id="{46781842-B349-D624-154D-3AC58C929915}"/>
+              </a:ext>
+            </a:extLst>
+          </p:cNvPr>
+          <p:cNvSpPr/>
+          <p:nvPr/>
+        </p:nvSpPr>
+        <p:spPr>
+          <a:xfrm>
+            <a:off x="479832" y="5085758"/>
+            <a:ext cx="473041" cy="932508"/>
+          </a:xfrm>
+          <a:prstGeom prst="rect">
+            <a:avLst/>
+          </a:prstGeom>
+        </p:spPr>
+        <p:style>
+          <a:lnRef idx="1">
+            <a:schemeClr val="dk1"/>
+          </a:lnRef>
+          <a:fillRef idx="2">
+            <a:schemeClr val="dk1"/>
+          </a:fillRef>
+          <a:effectRef idx="1">
+            <a:schemeClr val="dk1"/>
+          </a:effectRef>
+          <a:fontRef idx="minor">
+            <a:schemeClr val="dk1"/>
+          </a:fontRef>
+        </p:style>
+        <p:txBody>
+          <a:bodyPr rtlCol="0" anchor="ctr"/>
+          <a:lstStyle/>
+          <a:p>
+            <a:pPr algn="ctr"/>
+            <a:r>
+              <a:rPr lang="en-US" altLang="ko-KR" dirty="0"/>
+              <a:t>2</a:t>
+            </a:r>
+            <a:endParaRPr lang="ko-KR" altLang="en-US" dirty="0"/>
+          </a:p>
+        </p:txBody>
+      </p:sp>
+      <p:sp>
+        <p:nvSpPr>
+          <p:cNvPr id="21" name="사각형: 둥근 모서리 20">
+            <a:extLst>
+              <a:ext uri="{FF2B5EF4-FFF2-40B4-BE49-F238E27FC236}">
+                <a16:creationId xmlns:a16="http://schemas.microsoft.com/office/drawing/2014/main" id="{3F1D338D-3ECD-26BF-FAB2-6A91611C6F35}"/>
+              </a:ext>
+            </a:extLst>
+          </p:cNvPr>
+          <p:cNvSpPr/>
+          <p:nvPr/>
+        </p:nvSpPr>
+        <p:spPr>
+          <a:xfrm>
+            <a:off x="4187230" y="5373013"/>
+            <a:ext cx="248216" cy="483979"/>
+          </a:xfrm>
+          <a:prstGeom prst="roundRect">
+            <a:avLst/>
+          </a:prstGeom>
+        </p:spPr>
+        <p:style>
+          <a:lnRef idx="2">
+            <a:schemeClr val="accent1">
+              <a:shade val="15000"/>
+            </a:schemeClr>
+          </a:lnRef>
+          <a:fillRef idx="1">
+            <a:schemeClr val="accent1"/>
+          </a:fillRef>
+          <a:effectRef idx="0">
+            <a:schemeClr val="accent1"/>
+          </a:effectRef>
+          <a:fontRef idx="minor">
+            <a:schemeClr val="lt1"/>
+          </a:fontRef>
+        </p:style>
+        <p:txBody>
+          <a:bodyPr rtlCol="0" anchor="ctr"/>
+          <a:lstStyle/>
+          <a:p>
+            <a:pPr algn="ctr"/>
+            <a:endParaRPr lang="ko-KR" altLang="en-US"/>
+          </a:p>
+        </p:txBody>
+      </p:sp>
+      <p:sp>
+        <p:nvSpPr>
+          <p:cNvPr id="23" name="사각형: 둥근 모서리 22">
+            <a:extLst>
+              <a:ext uri="{FF2B5EF4-FFF2-40B4-BE49-F238E27FC236}">
+                <a16:creationId xmlns:a16="http://schemas.microsoft.com/office/drawing/2014/main" id="{7B0F2821-4E9E-43EC-A1CE-659B0C2178B4}"/>
+              </a:ext>
+            </a:extLst>
+          </p:cNvPr>
+          <p:cNvSpPr/>
+          <p:nvPr/>
+        </p:nvSpPr>
+        <p:spPr>
+          <a:xfrm>
+            <a:off x="150136" y="5350960"/>
+            <a:ext cx="191251" cy="499814"/>
+          </a:xfrm>
+          <a:prstGeom prst="roundRect">
+            <a:avLst/>
+          </a:prstGeom>
+        </p:spPr>
+        <p:style>
+          <a:lnRef idx="2">
+            <a:schemeClr val="accent1">
+              <a:shade val="15000"/>
+            </a:schemeClr>
+          </a:lnRef>
+          <a:fillRef idx="1">
+            <a:schemeClr val="accent1"/>
+          </a:fillRef>
+          <a:effectRef idx="0">
+            <a:schemeClr val="accent1"/>
+          </a:effectRef>
+          <a:fontRef idx="minor">
+            <a:schemeClr val="lt1"/>
+          </a:fontRef>
+        </p:style>
+        <p:txBody>
+          <a:bodyPr rtlCol="0" anchor="ctr"/>
+          <a:lstStyle/>
+          <a:p>
+            <a:pPr algn="ctr"/>
+            <a:endParaRPr lang="ko-KR" altLang="en-US"/>
+          </a:p>
+        </p:txBody>
+      </p:sp>
+      <p:sp>
+        <p:nvSpPr>
+          <p:cNvPr id="26" name="사각형: 둥근 모서리 25">
+            <a:extLst>
+              <a:ext uri="{FF2B5EF4-FFF2-40B4-BE49-F238E27FC236}">
+                <a16:creationId xmlns:a16="http://schemas.microsoft.com/office/drawing/2014/main" id="{ECEA019D-7D47-2E88-C8A7-2A3132E2CD68}"/>
+              </a:ext>
+            </a:extLst>
+          </p:cNvPr>
+          <p:cNvSpPr/>
+          <p:nvPr/>
+        </p:nvSpPr>
+        <p:spPr>
+          <a:xfrm>
+            <a:off x="383262" y="4805103"/>
+            <a:ext cx="3754171" cy="1430448"/>
+          </a:xfrm>
+          <a:prstGeom prst="roundRect">
+            <a:avLst/>
+          </a:prstGeom>
+          <a:noFill/>
+        </p:spPr>
+        <p:style>
+          <a:lnRef idx="2">
+            <a:schemeClr val="accent1">
+              <a:shade val="15000"/>
+            </a:schemeClr>
+          </a:lnRef>
+          <a:fillRef idx="1">
+            <a:schemeClr val="accent1"/>
+          </a:fillRef>
+          <a:effectRef idx="0">
+            <a:schemeClr val="accent1"/>
+          </a:effectRef>
+          <a:fontRef idx="minor">
+            <a:schemeClr val="lt1"/>
+          </a:fontRef>
+        </p:style>
+        <p:txBody>
+          <a:bodyPr rtlCol="0" anchor="ctr"/>
+          <a:lstStyle/>
+          <a:p>
+            <a:pPr algn="ctr"/>
+            <a:endParaRPr lang="ko-KR" altLang="en-US"/>
+          </a:p>
+        </p:txBody>
+      </p:sp>
+      <p:cxnSp>
+        <p:nvCxnSpPr>
+          <p:cNvPr id="34" name="직선 화살표 연결선 33">
+            <a:extLst>
+              <a:ext uri="{FF2B5EF4-FFF2-40B4-BE49-F238E27FC236}">
+                <a16:creationId xmlns:a16="http://schemas.microsoft.com/office/drawing/2014/main" id="{9B7E0338-92BC-1590-4ABC-02ADC4929550}"/>
+              </a:ext>
+            </a:extLst>
+          </p:cNvPr>
+          <p:cNvCxnSpPr>
+            <a:cxnSpLocks/>
+            <a:stCxn id="39" idx="2"/>
+          </p:cNvCxnSpPr>
+          <p:nvPr/>
+        </p:nvCxnSpPr>
+        <p:spPr>
+          <a:xfrm flipH="1">
+            <a:off x="2260348" y="3105339"/>
+            <a:ext cx="1" cy="1539486"/>
+          </a:xfrm>
+          <a:prstGeom prst="straightConnector1">
+            <a:avLst/>
+          </a:prstGeom>
+          <a:ln w="9525" cap="flat" cmpd="sng" algn="ctr">
+            <a:solidFill>
+              <a:schemeClr val="dk1"/>
+            </a:solidFill>
+            <a:prstDash val="dash"/>
+            <a:round/>
+            <a:headEnd type="none" w="med" len="med"/>
+            <a:tailEnd type="none" w="med" len="med"/>
+          </a:ln>
+        </p:spPr>
+        <p:style>
+          <a:lnRef idx="0">
+            <a:scrgbClr r="0" g="0" b="0"/>
+          </a:lnRef>
+          <a:fillRef idx="0">
+            <a:scrgbClr r="0" g="0" b="0"/>
+          </a:fillRef>
+          <a:effectRef idx="0">
+            <a:scrgbClr r="0" g="0" b="0"/>
+          </a:effectRef>
+          <a:fontRef idx="minor">
+            <a:schemeClr val="tx1"/>
+          </a:fontRef>
+        </p:style>
+      </p:cxnSp>
+      <p:cxnSp>
+        <p:nvCxnSpPr>
+          <p:cNvPr id="38" name="직선 화살표 연결선 37">
+            <a:extLst>
+              <a:ext uri="{FF2B5EF4-FFF2-40B4-BE49-F238E27FC236}">
+                <a16:creationId xmlns:a16="http://schemas.microsoft.com/office/drawing/2014/main" id="{D3D5B36D-26DA-2A1E-2888-5277E2DC75FC}"/>
+              </a:ext>
+            </a:extLst>
+          </p:cNvPr>
+          <p:cNvCxnSpPr>
+            <a:cxnSpLocks/>
+            <a:endCxn id="26" idx="0"/>
+          </p:cNvCxnSpPr>
+          <p:nvPr/>
+        </p:nvCxnSpPr>
+        <p:spPr>
+          <a:xfrm>
+            <a:off x="2260348" y="4644825"/>
+            <a:ext cx="0" cy="160278"/>
+          </a:xfrm>
+          <a:prstGeom prst="straightConnector1">
+            <a:avLst/>
+          </a:prstGeom>
+          <a:ln>
+            <a:tailEnd type="triangle"/>
+          </a:ln>
+        </p:spPr>
+        <p:style>
+          <a:lnRef idx="1">
+            <a:schemeClr val="dk1"/>
+          </a:lnRef>
+          <a:fillRef idx="0">
+            <a:schemeClr val="dk1"/>
+          </a:fillRef>
+          <a:effectRef idx="0">
+            <a:schemeClr val="dk1"/>
+          </a:effectRef>
+          <a:fontRef idx="minor">
+            <a:schemeClr val="tx1"/>
+          </a:fontRef>
+        </p:style>
+      </p:cxnSp>
     </p:spTree>
     <p:extLst>
       <p:ext uri="{BB962C8B-B14F-4D97-AF65-F5344CB8AC3E}">

--- a/UI프로토타입.pptx
+++ b/UI프로토타입.pptx
@@ -17103,7 +17103,7 @@
         </p:blipFill>
         <p:spPr>
           <a:xfrm>
-            <a:off x="8224109" y="52449"/>
+            <a:off x="8334259" y="-22631"/>
             <a:ext cx="3857742" cy="2227150"/>
           </a:xfrm>
           <a:prstGeom prst="rect">
@@ -17190,8 +17190,8 @@
         </p:nvCxnSpPr>
         <p:spPr>
           <a:xfrm rot="10800000">
-            <a:off x="10152980" y="2279600"/>
-            <a:ext cx="362620" cy="418325"/>
+            <a:off x="10263130" y="2204520"/>
+            <a:ext cx="252470" cy="493405"/>
           </a:xfrm>
           <a:prstGeom prst="bentConnector2">
             <a:avLst/>
@@ -18848,16 +18848,16 @@
           <p:cNvPr id="3" name="직사각형 2">
             <a:extLst>
               <a:ext uri="{FF2B5EF4-FFF2-40B4-BE49-F238E27FC236}">
-                <a16:creationId xmlns:a16="http://schemas.microsoft.com/office/drawing/2014/main" id="{7ED645D1-C408-E855-67C3-DF8FCF0BCEF8}"/>
-              </a:ext>
-            </a:extLst>
-          </p:cNvPr>
-          <p:cNvSpPr/>
-          <p:nvPr/>
-        </p:nvSpPr>
-        <p:spPr>
-          <a:xfrm>
-            <a:off x="3568574" y="5085758"/>
+                <a16:creationId xmlns:a16="http://schemas.microsoft.com/office/drawing/2014/main" id="{2ACAAE2A-B0DE-C77E-3243-09ABEB03A90E}"/>
+              </a:ext>
+            </a:extLst>
+          </p:cNvPr>
+          <p:cNvSpPr/>
+          <p:nvPr/>
+        </p:nvSpPr>
+        <p:spPr>
+          <a:xfrm>
+            <a:off x="3567068" y="5086532"/>
             <a:ext cx="473041" cy="932508"/>
           </a:xfrm>
           <a:prstGeom prst="rect">
@@ -18885,7 +18885,7 @@
             <a:pPr algn="ctr"/>
             <a:r>
               <a:rPr lang="en-US" altLang="ko-KR" dirty="0"/>
-              <a:t>1</a:t>
+              <a:t>6</a:t>
             </a:r>
             <a:endParaRPr lang="ko-KR" altLang="en-US" dirty="0"/>
           </a:p>
@@ -18896,16 +18896,16 @@
           <p:cNvPr id="15" name="직사각형 14">
             <a:extLst>
               <a:ext uri="{FF2B5EF4-FFF2-40B4-BE49-F238E27FC236}">
-                <a16:creationId xmlns:a16="http://schemas.microsoft.com/office/drawing/2014/main" id="{1265BE3B-DD16-1D53-7D6F-7E45FEEC8273}"/>
-              </a:ext>
-            </a:extLst>
-          </p:cNvPr>
-          <p:cNvSpPr/>
-          <p:nvPr/>
-        </p:nvSpPr>
-        <p:spPr>
-          <a:xfrm>
-            <a:off x="2928419" y="5085758"/>
+                <a16:creationId xmlns:a16="http://schemas.microsoft.com/office/drawing/2014/main" id="{45D0CF28-9BA3-FB16-FFE8-E01F779A3319}"/>
+              </a:ext>
+            </a:extLst>
+          </p:cNvPr>
+          <p:cNvSpPr/>
+          <p:nvPr/>
+        </p:nvSpPr>
+        <p:spPr>
+          <a:xfrm>
+            <a:off x="2926913" y="5086532"/>
             <a:ext cx="473041" cy="932508"/>
           </a:xfrm>
           <a:prstGeom prst="rect">
@@ -18944,16 +18944,16 @@
           <p:cNvPr id="17" name="직사각형 16">
             <a:extLst>
               <a:ext uri="{FF2B5EF4-FFF2-40B4-BE49-F238E27FC236}">
-                <a16:creationId xmlns:a16="http://schemas.microsoft.com/office/drawing/2014/main" id="{FEE4BB0B-BD5C-64C2-ECBD-BD07D5BF191A}"/>
-              </a:ext>
-            </a:extLst>
-          </p:cNvPr>
-          <p:cNvSpPr/>
-          <p:nvPr/>
-        </p:nvSpPr>
-        <p:spPr>
-          <a:xfrm>
-            <a:off x="1733742" y="4917512"/>
+                <a16:creationId xmlns:a16="http://schemas.microsoft.com/office/drawing/2014/main" id="{4C286D72-3828-23F9-0688-62AB6971CAAA}"/>
+              </a:ext>
+            </a:extLst>
+          </p:cNvPr>
+          <p:cNvSpPr/>
+          <p:nvPr/>
+        </p:nvSpPr>
+        <p:spPr>
+          <a:xfrm>
+            <a:off x="1732236" y="4918286"/>
             <a:ext cx="939299" cy="1149789"/>
           </a:xfrm>
           <a:prstGeom prst="rect">
@@ -18992,16 +18992,16 @@
           <p:cNvPr id="19" name="직사각형 18">
             <a:extLst>
               <a:ext uri="{FF2B5EF4-FFF2-40B4-BE49-F238E27FC236}">
-                <a16:creationId xmlns:a16="http://schemas.microsoft.com/office/drawing/2014/main" id="{4B37AE86-B7E4-125D-3509-3DDBC2E9BB66}"/>
-              </a:ext>
-            </a:extLst>
-          </p:cNvPr>
-          <p:cNvSpPr/>
-          <p:nvPr/>
-        </p:nvSpPr>
-        <p:spPr>
-          <a:xfrm>
-            <a:off x="1069818" y="5085758"/>
+                <a16:creationId xmlns:a16="http://schemas.microsoft.com/office/drawing/2014/main" id="{0F376A6F-A178-1BF1-ABB4-27FF4979BD6F}"/>
+              </a:ext>
+            </a:extLst>
+          </p:cNvPr>
+          <p:cNvSpPr/>
+          <p:nvPr/>
+        </p:nvSpPr>
+        <p:spPr>
+          <a:xfrm>
+            <a:off x="1068312" y="5086532"/>
             <a:ext cx="473041" cy="932508"/>
           </a:xfrm>
           <a:prstGeom prst="rect">
@@ -19040,16 +19040,16 @@
           <p:cNvPr id="20" name="직사각형 19">
             <a:extLst>
               <a:ext uri="{FF2B5EF4-FFF2-40B4-BE49-F238E27FC236}">
-                <a16:creationId xmlns:a16="http://schemas.microsoft.com/office/drawing/2014/main" id="{46781842-B349-D624-154D-3AC58C929915}"/>
-              </a:ext>
-            </a:extLst>
-          </p:cNvPr>
-          <p:cNvSpPr/>
-          <p:nvPr/>
-        </p:nvSpPr>
-        <p:spPr>
-          <a:xfrm>
-            <a:off x="479832" y="5085758"/>
+                <a16:creationId xmlns:a16="http://schemas.microsoft.com/office/drawing/2014/main" id="{28C07AA3-EF9E-29BB-103E-77AF76E34330}"/>
+              </a:ext>
+            </a:extLst>
+          </p:cNvPr>
+          <p:cNvSpPr/>
+          <p:nvPr/>
+        </p:nvSpPr>
+        <p:spPr>
+          <a:xfrm>
+            <a:off x="478326" y="5086532"/>
             <a:ext cx="473041" cy="932508"/>
           </a:xfrm>
           <a:prstGeom prst="rect">
@@ -19088,16 +19088,16 @@
           <p:cNvPr id="21" name="사각형: 둥근 모서리 20">
             <a:extLst>
               <a:ext uri="{FF2B5EF4-FFF2-40B4-BE49-F238E27FC236}">
-                <a16:creationId xmlns:a16="http://schemas.microsoft.com/office/drawing/2014/main" id="{3F1D338D-3ECD-26BF-FAB2-6A91611C6F35}"/>
-              </a:ext>
-            </a:extLst>
-          </p:cNvPr>
-          <p:cNvSpPr/>
-          <p:nvPr/>
-        </p:nvSpPr>
-        <p:spPr>
-          <a:xfrm>
-            <a:off x="4187230" y="5373013"/>
+                <a16:creationId xmlns:a16="http://schemas.microsoft.com/office/drawing/2014/main" id="{E1C0B4A5-DFF6-2EC9-AC66-D684F1A9D962}"/>
+              </a:ext>
+            </a:extLst>
+          </p:cNvPr>
+          <p:cNvSpPr/>
+          <p:nvPr/>
+        </p:nvSpPr>
+        <p:spPr>
+          <a:xfrm>
+            <a:off x="4185724" y="5373787"/>
             <a:ext cx="248216" cy="483979"/>
           </a:xfrm>
           <a:prstGeom prst="roundRect">
@@ -19134,16 +19134,16 @@
           <p:cNvPr id="23" name="사각형: 둥근 모서리 22">
             <a:extLst>
               <a:ext uri="{FF2B5EF4-FFF2-40B4-BE49-F238E27FC236}">
-                <a16:creationId xmlns:a16="http://schemas.microsoft.com/office/drawing/2014/main" id="{7B0F2821-4E9E-43EC-A1CE-659B0C2178B4}"/>
-              </a:ext>
-            </a:extLst>
-          </p:cNvPr>
-          <p:cNvSpPr/>
-          <p:nvPr/>
-        </p:nvSpPr>
-        <p:spPr>
-          <a:xfrm>
-            <a:off x="150136" y="5350960"/>
+                <a16:creationId xmlns:a16="http://schemas.microsoft.com/office/drawing/2014/main" id="{3F72FD6B-4697-C8BD-EAAF-9DD336229D4A}"/>
+              </a:ext>
+            </a:extLst>
+          </p:cNvPr>
+          <p:cNvSpPr/>
+          <p:nvPr/>
+        </p:nvSpPr>
+        <p:spPr>
+          <a:xfrm>
+            <a:off x="148630" y="5351734"/>
             <a:ext cx="191251" cy="499814"/>
           </a:xfrm>
           <a:prstGeom prst="roundRect">
@@ -19180,16 +19180,16 @@
           <p:cNvPr id="26" name="사각형: 둥근 모서리 25">
             <a:extLst>
               <a:ext uri="{FF2B5EF4-FFF2-40B4-BE49-F238E27FC236}">
-                <a16:creationId xmlns:a16="http://schemas.microsoft.com/office/drawing/2014/main" id="{ECEA019D-7D47-2E88-C8A7-2A3132E2CD68}"/>
-              </a:ext>
-            </a:extLst>
-          </p:cNvPr>
-          <p:cNvSpPr/>
-          <p:nvPr/>
-        </p:nvSpPr>
-        <p:spPr>
-          <a:xfrm>
-            <a:off x="383262" y="4805103"/>
+                <a16:creationId xmlns:a16="http://schemas.microsoft.com/office/drawing/2014/main" id="{902FC09D-1AB3-DE10-09A6-28329EE74FE9}"/>
+              </a:ext>
+            </a:extLst>
+          </p:cNvPr>
+          <p:cNvSpPr/>
+          <p:nvPr/>
+        </p:nvSpPr>
+        <p:spPr>
+          <a:xfrm>
+            <a:off x="381756" y="4805877"/>
             <a:ext cx="3754171" cy="1430448"/>
           </a:xfrm>
           <a:prstGeom prst="roundRect">
@@ -19227,84 +19227,38 @@
           <p:cNvPr id="34" name="직선 화살표 연결선 33">
             <a:extLst>
               <a:ext uri="{FF2B5EF4-FFF2-40B4-BE49-F238E27FC236}">
-                <a16:creationId xmlns:a16="http://schemas.microsoft.com/office/drawing/2014/main" id="{9B7E0338-92BC-1590-4ABC-02ADC4929550}"/>
+                <a16:creationId xmlns:a16="http://schemas.microsoft.com/office/drawing/2014/main" id="{EDE0B287-B7D9-1BD3-2D6B-F9BB6DD30474}"/>
               </a:ext>
             </a:extLst>
           </p:cNvPr>
           <p:cNvCxnSpPr>
             <a:cxnSpLocks/>
             <a:stCxn id="39" idx="2"/>
-          </p:cNvCxnSpPr>
-          <p:nvPr/>
-        </p:nvCxnSpPr>
-        <p:spPr>
-          <a:xfrm flipH="1">
-            <a:off x="2260348" y="3105339"/>
-            <a:ext cx="1" cy="1539486"/>
-          </a:xfrm>
-          <a:prstGeom prst="straightConnector1">
-            <a:avLst/>
-          </a:prstGeom>
-          <a:ln w="9525" cap="flat" cmpd="sng" algn="ctr">
-            <a:solidFill>
-              <a:schemeClr val="dk1"/>
-            </a:solidFill>
-            <a:prstDash val="dash"/>
-            <a:round/>
-            <a:headEnd type="none" w="med" len="med"/>
-            <a:tailEnd type="none" w="med" len="med"/>
-          </a:ln>
-        </p:spPr>
-        <p:style>
-          <a:lnRef idx="0">
-            <a:scrgbClr r="0" g="0" b="0"/>
-          </a:lnRef>
-          <a:fillRef idx="0">
-            <a:scrgbClr r="0" g="0" b="0"/>
-          </a:fillRef>
-          <a:effectRef idx="0">
-            <a:scrgbClr r="0" g="0" b="0"/>
-          </a:effectRef>
-          <a:fontRef idx="minor">
-            <a:schemeClr val="tx1"/>
-          </a:fontRef>
-        </p:style>
-      </p:cxnSp>
-      <p:cxnSp>
-        <p:nvCxnSpPr>
-          <p:cNvPr id="38" name="직선 화살표 연결선 37">
-            <a:extLst>
-              <a:ext uri="{FF2B5EF4-FFF2-40B4-BE49-F238E27FC236}">
-                <a16:creationId xmlns:a16="http://schemas.microsoft.com/office/drawing/2014/main" id="{D3D5B36D-26DA-2A1E-2888-5277E2DC75FC}"/>
-              </a:ext>
-            </a:extLst>
-          </p:cNvPr>
-          <p:cNvCxnSpPr>
-            <a:cxnSpLocks/>
             <a:endCxn id="26" idx="0"/>
           </p:cNvCxnSpPr>
           <p:nvPr/>
         </p:nvCxnSpPr>
         <p:spPr>
-          <a:xfrm>
-            <a:off x="2260348" y="4644825"/>
-            <a:ext cx="0" cy="160278"/>
+          <a:xfrm flipH="1">
+            <a:off x="2258842" y="3105339"/>
+            <a:ext cx="1507" cy="1700538"/>
           </a:xfrm>
           <a:prstGeom prst="straightConnector1">
             <a:avLst/>
           </a:prstGeom>
           <a:ln>
+            <a:prstDash val="sysDot"/>
             <a:tailEnd type="triangle"/>
           </a:ln>
         </p:spPr>
         <p:style>
-          <a:lnRef idx="1">
+          <a:lnRef idx="3">
             <a:schemeClr val="dk1"/>
           </a:lnRef>
           <a:fillRef idx="0">
             <a:schemeClr val="dk1"/>
           </a:fillRef>
-          <a:effectRef idx="0">
+          <a:effectRef idx="2">
             <a:schemeClr val="dk1"/>
           </a:effectRef>
           <a:fontRef idx="minor">
